--- a/專題研究進度報告.pptx
+++ b/專題研究進度報告.pptx
@@ -6165,6 +6165,13 @@
   <p:clrMapOvr>
     <a:masterClrMapping/>
   </p:clrMapOvr>
+  <p:timing>
+    <p:tnLst>
+      <p:par>
+        <p:cTn id="1" dur="indefinite" restart="never" nodeType="tmRoot"/>
+      </p:par>
+    </p:tnLst>
+  </p:timing>
 </p:sld>
 </file>
 
@@ -6228,7 +6235,7 @@
           <a:bodyPr/>
           <a:lstStyle/>
           <a:p>
-            <a:endParaRPr lang="zh-TW" altLang="en-US"/>
+            <a:endParaRPr lang="zh-TW" altLang="en-US" dirty="0"/>
           </a:p>
         </p:txBody>
       </p:sp>
@@ -6240,7 +6247,7 @@
         </p:nvSpPr>
         <p:spPr>
           <a:xfrm>
-            <a:off x="1585543" y="939188"/>
+            <a:off x="1585542" y="1401227"/>
             <a:ext cx="1573824" cy="833007"/>
           </a:xfrm>
           <a:prstGeom prst="roundRect">
@@ -6282,7 +6289,7 @@
         </p:nvSpPr>
         <p:spPr>
           <a:xfrm>
-            <a:off x="1055075" y="2467409"/>
+            <a:off x="1055074" y="3408186"/>
             <a:ext cx="2634761" cy="1174945"/>
           </a:xfrm>
           <a:prstGeom prst="roundRect">
@@ -6324,7 +6331,7 @@
         </p:nvSpPr>
         <p:spPr>
           <a:xfrm>
-            <a:off x="123087" y="4465686"/>
+            <a:off x="126863" y="5459215"/>
             <a:ext cx="1573824" cy="833007"/>
           </a:xfrm>
           <a:prstGeom prst="roundRect">
@@ -6366,8 +6373,8 @@
         </p:nvSpPr>
         <p:spPr>
           <a:xfrm>
-            <a:off x="2815734" y="4465685"/>
-            <a:ext cx="2082312" cy="833007"/>
+            <a:off x="2720184" y="5233895"/>
+            <a:ext cx="2257632" cy="1282118"/>
           </a:xfrm>
           <a:prstGeom prst="roundRect">
             <a:avLst/>
@@ -6400,6 +6407,406 @@
           </a:p>
         </p:txBody>
       </p:sp>
+      <p:sp>
+        <p:nvSpPr>
+          <p:cNvPr id="8" name="向下箭號 7"/>
+          <p:cNvSpPr/>
+          <p:nvPr/>
+        </p:nvSpPr>
+        <p:spPr>
+          <a:xfrm>
+            <a:off x="2093662" y="2391615"/>
+            <a:ext cx="557583" cy="859190"/>
+          </a:xfrm>
+          <a:prstGeom prst="downArrow">
+            <a:avLst/>
+          </a:prstGeom>
+        </p:spPr>
+        <p:style>
+          <a:lnRef idx="1">
+            <a:schemeClr val="accent3"/>
+          </a:lnRef>
+          <a:fillRef idx="2">
+            <a:schemeClr val="accent3"/>
+          </a:fillRef>
+          <a:effectRef idx="1">
+            <a:schemeClr val="accent3"/>
+          </a:effectRef>
+          <a:fontRef idx="minor">
+            <a:schemeClr val="dk1"/>
+          </a:fontRef>
+        </p:style>
+        <p:txBody>
+          <a:bodyPr rtlCol="0" anchor="ctr"/>
+          <a:lstStyle/>
+          <a:p>
+            <a:pPr algn="ctr"/>
+            <a:endParaRPr lang="zh-TW" altLang="en-US"/>
+          </a:p>
+        </p:txBody>
+      </p:sp>
+      <p:sp>
+        <p:nvSpPr>
+          <p:cNvPr id="9" name="向下箭號 8"/>
+          <p:cNvSpPr/>
+          <p:nvPr/>
+        </p:nvSpPr>
+        <p:spPr>
+          <a:xfrm rot="2700000">
+            <a:off x="1370880" y="4587125"/>
+            <a:ext cx="406884" cy="955041"/>
+          </a:xfrm>
+          <a:prstGeom prst="downArrow">
+            <a:avLst/>
+          </a:prstGeom>
+        </p:spPr>
+        <p:style>
+          <a:lnRef idx="1">
+            <a:schemeClr val="accent3"/>
+          </a:lnRef>
+          <a:fillRef idx="2">
+            <a:schemeClr val="accent3"/>
+          </a:fillRef>
+          <a:effectRef idx="1">
+            <a:schemeClr val="accent3"/>
+          </a:effectRef>
+          <a:fontRef idx="minor">
+            <a:schemeClr val="dk1"/>
+          </a:fontRef>
+        </p:style>
+        <p:txBody>
+          <a:bodyPr rtlCol="0" anchor="ctr"/>
+          <a:lstStyle/>
+          <a:p>
+            <a:pPr algn="ctr"/>
+            <a:endParaRPr lang="zh-TW" altLang="en-US"/>
+          </a:p>
+        </p:txBody>
+      </p:sp>
+      <p:sp>
+        <p:nvSpPr>
+          <p:cNvPr id="10" name="向下箭號 9"/>
+          <p:cNvSpPr/>
+          <p:nvPr/>
+        </p:nvSpPr>
+        <p:spPr>
+          <a:xfrm rot="13500000">
+            <a:off x="906443" y="4480066"/>
+            <a:ext cx="372732" cy="1020926"/>
+          </a:xfrm>
+          <a:prstGeom prst="downArrow">
+            <a:avLst/>
+          </a:prstGeom>
+        </p:spPr>
+        <p:style>
+          <a:lnRef idx="1">
+            <a:schemeClr val="accent3"/>
+          </a:lnRef>
+          <a:fillRef idx="2">
+            <a:schemeClr val="accent3"/>
+          </a:fillRef>
+          <a:effectRef idx="1">
+            <a:schemeClr val="accent3"/>
+          </a:effectRef>
+          <a:fontRef idx="minor">
+            <a:schemeClr val="dk1"/>
+          </a:fontRef>
+        </p:style>
+        <p:txBody>
+          <a:bodyPr rtlCol="0" anchor="ctr"/>
+          <a:lstStyle/>
+          <a:p>
+            <a:pPr algn="ctr"/>
+            <a:endParaRPr lang="zh-TW" altLang="en-US"/>
+          </a:p>
+        </p:txBody>
+      </p:sp>
+      <p:sp>
+        <p:nvSpPr>
+          <p:cNvPr id="11" name="向下箭號 10"/>
+          <p:cNvSpPr/>
+          <p:nvPr/>
+        </p:nvSpPr>
+        <p:spPr>
+          <a:xfrm rot="16200000">
+            <a:off x="2069649" y="5294119"/>
+            <a:ext cx="406884" cy="756313"/>
+          </a:xfrm>
+          <a:prstGeom prst="downArrow">
+            <a:avLst/>
+          </a:prstGeom>
+        </p:spPr>
+        <p:style>
+          <a:lnRef idx="1">
+            <a:schemeClr val="accent3"/>
+          </a:lnRef>
+          <a:fillRef idx="2">
+            <a:schemeClr val="accent3"/>
+          </a:fillRef>
+          <a:effectRef idx="1">
+            <a:schemeClr val="accent3"/>
+          </a:effectRef>
+          <a:fontRef idx="minor">
+            <a:schemeClr val="dk1"/>
+          </a:fontRef>
+        </p:style>
+        <p:txBody>
+          <a:bodyPr rtlCol="0" anchor="ctr"/>
+          <a:lstStyle/>
+          <a:p>
+            <a:pPr algn="ctr"/>
+            <a:endParaRPr lang="zh-TW" altLang="en-US"/>
+          </a:p>
+        </p:txBody>
+      </p:sp>
+      <p:sp>
+        <p:nvSpPr>
+          <p:cNvPr id="12" name="向下箭號 11"/>
+          <p:cNvSpPr/>
+          <p:nvPr/>
+        </p:nvSpPr>
+        <p:spPr>
+          <a:xfrm rot="5400000">
+            <a:off x="2048445" y="5679803"/>
+            <a:ext cx="406884" cy="798715"/>
+          </a:xfrm>
+          <a:prstGeom prst="downArrow">
+            <a:avLst/>
+          </a:prstGeom>
+        </p:spPr>
+        <p:style>
+          <a:lnRef idx="1">
+            <a:schemeClr val="accent3"/>
+          </a:lnRef>
+          <a:fillRef idx="2">
+            <a:schemeClr val="accent3"/>
+          </a:fillRef>
+          <a:effectRef idx="1">
+            <a:schemeClr val="accent3"/>
+          </a:effectRef>
+          <a:fontRef idx="minor">
+            <a:schemeClr val="dk1"/>
+          </a:fontRef>
+        </p:style>
+        <p:txBody>
+          <a:bodyPr rtlCol="0" anchor="ctr"/>
+          <a:lstStyle/>
+          <a:p>
+            <a:pPr algn="ctr"/>
+            <a:endParaRPr lang="zh-TW" altLang="en-US"/>
+          </a:p>
+        </p:txBody>
+      </p:sp>
+      <p:sp>
+        <p:nvSpPr>
+          <p:cNvPr id="13" name="向下箭號 12"/>
+          <p:cNvSpPr/>
+          <p:nvPr/>
+        </p:nvSpPr>
+        <p:spPr>
+          <a:xfrm rot="5400000">
+            <a:off x="4651082" y="2779341"/>
+            <a:ext cx="447675" cy="1984960"/>
+          </a:xfrm>
+          <a:prstGeom prst="downArrow">
+            <a:avLst/>
+          </a:prstGeom>
+        </p:spPr>
+        <p:style>
+          <a:lnRef idx="2">
+            <a:schemeClr val="accent1">
+              <a:shade val="50000"/>
+            </a:schemeClr>
+          </a:lnRef>
+          <a:fillRef idx="1">
+            <a:schemeClr val="accent1"/>
+          </a:fillRef>
+          <a:effectRef idx="0">
+            <a:schemeClr val="accent1"/>
+          </a:effectRef>
+          <a:fontRef idx="minor">
+            <a:schemeClr val="lt1"/>
+          </a:fontRef>
+        </p:style>
+        <p:txBody>
+          <a:bodyPr rtlCol="0" anchor="ctr"/>
+          <a:lstStyle/>
+          <a:p>
+            <a:pPr algn="ctr"/>
+            <a:endParaRPr lang="zh-TW" altLang="en-US"/>
+          </a:p>
+        </p:txBody>
+      </p:sp>
+      <p:sp>
+        <p:nvSpPr>
+          <p:cNvPr id="14" name="向下箭號 13"/>
+          <p:cNvSpPr/>
+          <p:nvPr/>
+        </p:nvSpPr>
+        <p:spPr>
+          <a:xfrm rot="16200000">
+            <a:off x="5857175" y="4962372"/>
+            <a:ext cx="447675" cy="1973075"/>
+          </a:xfrm>
+          <a:prstGeom prst="downArrow">
+            <a:avLst/>
+          </a:prstGeom>
+        </p:spPr>
+        <p:style>
+          <a:lnRef idx="2">
+            <a:schemeClr val="accent1">
+              <a:shade val="50000"/>
+            </a:schemeClr>
+          </a:lnRef>
+          <a:fillRef idx="1">
+            <a:schemeClr val="accent1"/>
+          </a:fillRef>
+          <a:effectRef idx="0">
+            <a:schemeClr val="accent1"/>
+          </a:effectRef>
+          <a:fontRef idx="minor">
+            <a:schemeClr val="lt1"/>
+          </a:fontRef>
+        </p:style>
+        <p:txBody>
+          <a:bodyPr rtlCol="0" anchor="ctr"/>
+          <a:lstStyle/>
+          <a:p>
+            <a:pPr algn="ctr"/>
+            <a:endParaRPr lang="zh-TW" altLang="en-US"/>
+          </a:p>
+        </p:txBody>
+      </p:sp>
+      <p:sp>
+        <p:nvSpPr>
+          <p:cNvPr id="15" name="向下箭號 14"/>
+          <p:cNvSpPr/>
+          <p:nvPr/>
+        </p:nvSpPr>
+        <p:spPr>
+          <a:xfrm rot="5400000">
+            <a:off x="5776878" y="4495008"/>
+            <a:ext cx="447675" cy="1925449"/>
+          </a:xfrm>
+          <a:prstGeom prst="downArrow">
+            <a:avLst/>
+          </a:prstGeom>
+        </p:spPr>
+        <p:style>
+          <a:lnRef idx="2">
+            <a:schemeClr val="accent1">
+              <a:shade val="50000"/>
+            </a:schemeClr>
+          </a:lnRef>
+          <a:fillRef idx="1">
+            <a:schemeClr val="accent1"/>
+          </a:fillRef>
+          <a:effectRef idx="0">
+            <a:schemeClr val="accent1"/>
+          </a:effectRef>
+          <a:fontRef idx="minor">
+            <a:schemeClr val="lt1"/>
+          </a:fontRef>
+        </p:style>
+        <p:txBody>
+          <a:bodyPr rtlCol="0" anchor="ctr"/>
+          <a:lstStyle/>
+          <a:p>
+            <a:pPr algn="ctr"/>
+            <a:endParaRPr lang="zh-TW" altLang="en-US"/>
+          </a:p>
+        </p:txBody>
+      </p:sp>
+      <p:sp>
+        <p:nvSpPr>
+          <p:cNvPr id="17" name="文字方塊 16"/>
+          <p:cNvSpPr txBox="1"/>
+          <p:nvPr/>
+        </p:nvSpPr>
+        <p:spPr>
+          <a:xfrm>
+            <a:off x="4071993" y="3166410"/>
+            <a:ext cx="2162286" cy="523220"/>
+          </a:xfrm>
+          <a:prstGeom prst="rect">
+            <a:avLst/>
+          </a:prstGeom>
+          <a:noFill/>
+        </p:spPr>
+        <p:txBody>
+          <a:bodyPr wrap="square" rtlCol="0">
+            <a:spAutoFit/>
+          </a:bodyPr>
+          <a:lstStyle/>
+          <a:p>
+            <a:r>
+              <a:rPr lang="en-US" altLang="zh-TW" sz="2800" dirty="0" smtClean="0"/>
+              <a:t>Sequence T</a:t>
+            </a:r>
+            <a:endParaRPr lang="zh-TW" altLang="en-US" sz="2800" dirty="0"/>
+          </a:p>
+        </p:txBody>
+      </p:sp>
+      <p:sp>
+        <p:nvSpPr>
+          <p:cNvPr id="18" name="文字方塊 17"/>
+          <p:cNvSpPr txBox="1"/>
+          <p:nvPr/>
+        </p:nvSpPr>
+        <p:spPr>
+          <a:xfrm>
+            <a:off x="5223119" y="4862656"/>
+            <a:ext cx="2162286" cy="523220"/>
+          </a:xfrm>
+          <a:prstGeom prst="rect">
+            <a:avLst/>
+          </a:prstGeom>
+          <a:noFill/>
+        </p:spPr>
+        <p:txBody>
+          <a:bodyPr wrap="square" rtlCol="0">
+            <a:spAutoFit/>
+          </a:bodyPr>
+          <a:lstStyle/>
+          <a:p>
+            <a:r>
+              <a:rPr lang="en-US" altLang="zh-TW" sz="2800" dirty="0" smtClean="0"/>
+              <a:t>Sequence S</a:t>
+            </a:r>
+            <a:endParaRPr lang="zh-TW" altLang="en-US" sz="2800" dirty="0"/>
+          </a:p>
+        </p:txBody>
+      </p:sp>
+      <p:sp>
+        <p:nvSpPr>
+          <p:cNvPr id="19" name="文字方塊 18"/>
+          <p:cNvSpPr txBox="1"/>
+          <p:nvPr/>
+        </p:nvSpPr>
+        <p:spPr>
+          <a:xfrm>
+            <a:off x="5153136" y="6020993"/>
+            <a:ext cx="2162286" cy="523220"/>
+          </a:xfrm>
+          <a:prstGeom prst="rect">
+            <a:avLst/>
+          </a:prstGeom>
+          <a:noFill/>
+        </p:spPr>
+        <p:txBody>
+          <a:bodyPr wrap="square" rtlCol="0">
+            <a:spAutoFit/>
+          </a:bodyPr>
+          <a:lstStyle/>
+          <a:p>
+            <a:r>
+              <a:rPr lang="en-US" altLang="zh-TW" sz="2800" smtClean="0"/>
+              <a:t>Result</a:t>
+            </a:r>
+            <a:endParaRPr lang="zh-TW" altLang="en-US" sz="2800" dirty="0"/>
+          </a:p>
+        </p:txBody>
+      </p:sp>
     </p:spTree>
     <p:extLst>
       <p:ext uri="{BB962C8B-B14F-4D97-AF65-F5344CB8AC3E}">
@@ -6410,6 +6817,13 @@
   <p:clrMapOvr>
     <a:masterClrMapping/>
   </p:clrMapOvr>
+  <p:timing>
+    <p:tnLst>
+      <p:par>
+        <p:cTn id="1" dur="indefinite" restart="never" nodeType="tmRoot"/>
+      </p:par>
+    </p:tnLst>
+  </p:timing>
 </p:sld>
 </file>
 
